--- a/Final_Presentation.pptx
+++ b/Final_Presentation.pptx
@@ -17,9 +17,9 @@
     <p:sldId id="281" r:id="rId11"/>
     <p:sldId id="282" r:id="rId12"/>
     <p:sldId id="284" r:id="rId13"/>
-    <p:sldId id="285" r:id="rId14"/>
-    <p:sldId id="286" r:id="rId15"/>
-    <p:sldId id="273" r:id="rId16"/>
+    <p:sldId id="273" r:id="rId14"/>
+    <p:sldId id="285" r:id="rId15"/>
+    <p:sldId id="286" r:id="rId16"/>
     <p:sldId id="261" r:id="rId17"/>
     <p:sldId id="288" r:id="rId18"/>
   </p:sldIdLst>
@@ -122,7 +122,18 @@
   </p:defaultTextStyle>
   <p:extLst>
     <p:ext uri="{EFAFB233-063F-42B5-8137-9DF3F51BA10A}">
-      <p15:sldGuideLst xmlns="" xmlns:p15="http://schemas.microsoft.com/office/powerpoint/2012/main"/>
+      <p15:sldGuideLst xmlns:p15="http://schemas.microsoft.com/office/powerpoint/2012/main">
+        <p15:guide id="1" orient="horz" pos="2160">
+          <p15:clr>
+            <a:srgbClr val="A4A3A4"/>
+          </p15:clr>
+        </p15:guide>
+        <p15:guide id="2" pos="3840">
+          <p15:clr>
+            <a:srgbClr val="A4A3A4"/>
+          </p15:clr>
+        </p15:guide>
+      </p15:sldGuideLst>
     </p:ext>
   </p:extLst>
 </p:presentation>
@@ -851,7 +862,7 @@
             <a:fld id="{B61BEF0D-F0BB-DE4B-95CE-6DB70DBA9567}" type="datetimeFigureOut">
               <a:rPr lang="en-US" dirty="0"/>
               <a:pPr/>
-              <a:t>12/16/2017</a:t>
+              <a:t>12/16/17</a:t>
             </a:fld>
             <a:endParaRPr lang="en-US" dirty="0"/>
           </a:p>
@@ -1099,7 +1110,7 @@
             <a:fld id="{B61BEF0D-F0BB-DE4B-95CE-6DB70DBA9567}" type="datetimeFigureOut">
               <a:rPr lang="en-US" dirty="0"/>
               <a:pPr/>
-              <a:t>12/16/2017</a:t>
+              <a:t>12/16/17</a:t>
             </a:fld>
             <a:endParaRPr lang="en-US" dirty="0"/>
           </a:p>
@@ -1410,7 +1421,7 @@
             <a:fld id="{B61BEF0D-F0BB-DE4B-95CE-6DB70DBA9567}" type="datetimeFigureOut">
               <a:rPr lang="en-US" dirty="0"/>
               <a:pPr/>
-              <a:t>12/16/2017</a:t>
+              <a:t>12/16/17</a:t>
             </a:fld>
             <a:endParaRPr lang="en-US" dirty="0"/>
           </a:p>
@@ -1748,7 +1759,7 @@
             <a:fld id="{B61BEF0D-F0BB-DE4B-95CE-6DB70DBA9567}" type="datetimeFigureOut">
               <a:rPr lang="en-US" dirty="0"/>
               <a:pPr/>
-              <a:t>12/16/2017</a:t>
+              <a:t>12/16/17</a:t>
             </a:fld>
             <a:endParaRPr lang="en-US" dirty="0"/>
           </a:p>
@@ -2059,7 +2070,7 @@
             <a:fld id="{B61BEF0D-F0BB-DE4B-95CE-6DB70DBA9567}" type="datetimeFigureOut">
               <a:rPr lang="en-US" dirty="0"/>
               <a:pPr/>
-              <a:t>12/16/2017</a:t>
+              <a:t>12/16/17</a:t>
             </a:fld>
             <a:endParaRPr lang="en-US" dirty="0"/>
           </a:p>
@@ -2449,7 +2460,7 @@
             <a:fld id="{B61BEF0D-F0BB-DE4B-95CE-6DB70DBA9567}" type="datetimeFigureOut">
               <a:rPr lang="en-US" dirty="0"/>
               <a:pPr/>
-              <a:t>12/16/2017</a:t>
+              <a:t>12/16/17</a:t>
             </a:fld>
             <a:endParaRPr lang="en-US" dirty="0"/>
           </a:p>
@@ -2615,7 +2626,7 @@
           <a:p>
             <a:fld id="{55C6B4A9-1611-4792-9094-5F34BCA07E0B}" type="datetimeFigureOut">
               <a:rPr lang="en-US" dirty="0"/>
-              <a:t>12/16/2017</a:t>
+              <a:t>12/16/17</a:t>
             </a:fld>
             <a:endParaRPr lang="en-US" dirty="0"/>
           </a:p>
@@ -2791,7 +2802,7 @@
             <a:fld id="{B61BEF0D-F0BB-DE4B-95CE-6DB70DBA9567}" type="datetimeFigureOut">
               <a:rPr lang="en-US" dirty="0"/>
               <a:pPr/>
-              <a:t>12/16/2017</a:t>
+              <a:t>12/16/17</a:t>
             </a:fld>
             <a:endParaRPr lang="en-US" dirty="0"/>
           </a:p>
@@ -2964,7 +2975,7 @@
             <a:fld id="{B61BEF0D-F0BB-DE4B-95CE-6DB70DBA9567}" type="datetimeFigureOut">
               <a:rPr lang="en-US" dirty="0"/>
               <a:pPr/>
-              <a:t>12/16/2017</a:t>
+              <a:t>12/16/17</a:t>
             </a:fld>
             <a:endParaRPr lang="en-US" dirty="0"/>
           </a:p>
@@ -3208,7 +3219,7 @@
             <a:fld id="{B61BEF0D-F0BB-DE4B-95CE-6DB70DBA9567}" type="datetimeFigureOut">
               <a:rPr lang="en-US" dirty="0"/>
               <a:pPr/>
-              <a:t>12/16/2017</a:t>
+              <a:t>12/16/17</a:t>
             </a:fld>
             <a:endParaRPr lang="en-US" dirty="0"/>
           </a:p>
@@ -3436,7 +3447,7 @@
           <a:p>
             <a:fld id="{EB712588-04B1-427B-82EE-E8DB90309F08}" type="datetimeFigureOut">
               <a:rPr lang="en-US" dirty="0"/>
-              <a:t>12/16/2017</a:t>
+              <a:t>12/16/17</a:t>
             </a:fld>
             <a:endParaRPr lang="en-US" dirty="0"/>
           </a:p>
@@ -3806,7 +3817,7 @@
             <a:fld id="{B61BEF0D-F0BB-DE4B-95CE-6DB70DBA9567}" type="datetimeFigureOut">
               <a:rPr lang="en-US" dirty="0"/>
               <a:pPr/>
-              <a:t>12/16/2017</a:t>
+              <a:t>12/16/17</a:t>
             </a:fld>
             <a:endParaRPr lang="en-US" dirty="0"/>
           </a:p>
@@ -3926,7 +3937,7 @@
             <a:fld id="{B61BEF0D-F0BB-DE4B-95CE-6DB70DBA9567}" type="datetimeFigureOut">
               <a:rPr lang="en-US" dirty="0"/>
               <a:pPr/>
-              <a:t>12/16/2017</a:t>
+              <a:t>12/16/17</a:t>
             </a:fld>
             <a:endParaRPr lang="en-US" dirty="0"/>
           </a:p>
@@ -4018,7 +4029,7 @@
             <a:fld id="{B61BEF0D-F0BB-DE4B-95CE-6DB70DBA9567}" type="datetimeFigureOut">
               <a:rPr lang="en-US" dirty="0"/>
               <a:pPr/>
-              <a:t>12/16/2017</a:t>
+              <a:t>12/16/17</a:t>
             </a:fld>
             <a:endParaRPr lang="en-US" dirty="0"/>
           </a:p>
@@ -4269,7 +4280,7 @@
           <a:p>
             <a:fld id="{42A54C80-263E-416B-A8E0-580EDEADCBDC}" type="datetimeFigureOut">
               <a:rPr lang="en-US" dirty="0"/>
-              <a:t>12/16/2017</a:t>
+              <a:t>12/16/17</a:t>
             </a:fld>
             <a:endParaRPr lang="en-US" dirty="0"/>
           </a:p>
@@ -4528,7 +4539,7 @@
             <a:fld id="{B61BEF0D-F0BB-DE4B-95CE-6DB70DBA9567}" type="datetimeFigureOut">
               <a:rPr lang="en-US" dirty="0"/>
               <a:pPr/>
-              <a:t>12/16/2017</a:t>
+              <a:t>12/16/17</a:t>
             </a:fld>
             <a:endParaRPr lang="en-US" dirty="0"/>
           </a:p>
@@ -5268,7 +5279,7 @@
             <a:fld id="{B61BEF0D-F0BB-DE4B-95CE-6DB70DBA9567}" type="datetimeFigureOut">
               <a:rPr lang="en-US" dirty="0"/>
               <a:pPr/>
-              <a:t>12/16/2017</a:t>
+              <a:t>12/16/17</a:t>
             </a:fld>
             <a:endParaRPr lang="en-US" dirty="0"/>
           </a:p>
@@ -5871,7 +5882,7 @@
           <p:cNvPr id="2" name="Title 1">
             <a:extLst>
               <a:ext uri="{FF2B5EF4-FFF2-40B4-BE49-F238E27FC236}">
-                <a16:creationId xmlns="" xmlns:a16="http://schemas.microsoft.com/office/drawing/2014/main" id="{D133535A-7B82-4D1D-A798-D77D7F99A95A}"/>
+                <a16:creationId xmlns:a16="http://schemas.microsoft.com/office/drawing/2014/main" xmlns="" id="{D133535A-7B82-4D1D-A798-D77D7F99A95A}"/>
               </a:ext>
             </a:extLst>
           </p:cNvPr>
@@ -5904,7 +5915,7 @@
           <p:cNvPr id="3" name="Content Placeholder 2">
             <a:extLst>
               <a:ext uri="{FF2B5EF4-FFF2-40B4-BE49-F238E27FC236}">
-                <a16:creationId xmlns="" xmlns:a16="http://schemas.microsoft.com/office/drawing/2014/main" id="{86A3FD05-AD4E-4DC4-876E-9B30BE2097ED}"/>
+                <a16:creationId xmlns:a16="http://schemas.microsoft.com/office/drawing/2014/main" xmlns="" id="{86A3FD05-AD4E-4DC4-876E-9B30BE2097ED}"/>
               </a:ext>
             </a:extLst>
           </p:cNvPr>
@@ -6010,7 +6021,7 @@
           <p:cNvPr id="4" name="Picture 3">
             <a:extLst>
               <a:ext uri="{FF2B5EF4-FFF2-40B4-BE49-F238E27FC236}">
-                <a16:creationId xmlns="" xmlns:a16="http://schemas.microsoft.com/office/drawing/2014/main" id="{48E26029-571E-4C77-951E-55D31DAA4141}"/>
+                <a16:creationId xmlns:a16="http://schemas.microsoft.com/office/drawing/2014/main" xmlns="" id="{48E26029-571E-4C77-951E-55D31DAA4141}"/>
               </a:ext>
             </a:extLst>
           </p:cNvPr>
@@ -6077,7 +6088,7 @@
           <p:cNvPr id="3" name="Content Placeholder 2">
             <a:extLst>
               <a:ext uri="{FF2B5EF4-FFF2-40B4-BE49-F238E27FC236}">
-                <a16:creationId xmlns="" xmlns:a16="http://schemas.microsoft.com/office/drawing/2014/main" id="{A2DBB6A3-A349-4707-BA51-01EB658ACA24}"/>
+                <a16:creationId xmlns:a16="http://schemas.microsoft.com/office/drawing/2014/main" xmlns="" id="{A2DBB6A3-A349-4707-BA51-01EB658ACA24}"/>
               </a:ext>
             </a:extLst>
           </p:cNvPr>
@@ -6290,7 +6301,7 @@
           <p:cNvPr id="13" name="Title 1">
             <a:extLst>
               <a:ext uri="{FF2B5EF4-FFF2-40B4-BE49-F238E27FC236}">
-                <a16:creationId xmlns="" xmlns:a16="http://schemas.microsoft.com/office/drawing/2014/main" id="{D133535A-7B82-4D1D-A798-D77D7F99A95A}"/>
+                <a16:creationId xmlns:a16="http://schemas.microsoft.com/office/drawing/2014/main" xmlns="" id="{D133535A-7B82-4D1D-A798-D77D7F99A95A}"/>
               </a:ext>
             </a:extLst>
           </p:cNvPr>
@@ -6393,7 +6404,7 @@
           <p:nvPr>
             <p:extLst>
               <p:ext uri="{D42A27DB-BD31-4B8C-83A1-F6EECF244321}">
-                <p14:modId xmlns:p14="http://schemas.microsoft.com/office/powerpoint/2010/main" val="1820224871"/>
+                <p14:modId xmlns:p14="http://schemas.microsoft.com/office/powerpoint/2010/main" val="136457674"/>
               </p:ext>
             </p:extLst>
           </p:nvPr>
@@ -6868,12 +6879,18 @@
                         </a:spcAft>
                       </a:pPr>
                       <a:r>
-                        <a:rPr lang="en-US" sz="1100">
+                        <a:rPr lang="en-US" sz="1100" dirty="0">
                           <a:effectLst/>
                         </a:rPr>
-                        <a:t>AWS CodeBuild</a:t>
+                        <a:t>AWS </a:t>
                       </a:r>
-                      <a:endParaRPr lang="en-US" sz="1200">
+                      <a:r>
+                        <a:rPr lang="en-US" sz="1100" dirty="0" err="1">
+                          <a:effectLst/>
+                        </a:rPr>
+                        <a:t>CodeBuild</a:t>
+                      </a:r>
+                      <a:endParaRPr lang="en-US" sz="1200" dirty="0">
                         <a:solidFill>
                           <a:srgbClr val="FFFFFF"/>
                         </a:solidFill>
@@ -6982,12 +6999,52 @@
                         </a:spcAft>
                       </a:pPr>
                       <a:r>
-                        <a:rPr lang="en-US" sz="1100">
+                        <a:rPr lang="en-US" sz="1100" dirty="0">
                           <a:effectLst/>
                         </a:rPr>
-                        <a:t>AWS CodeDeploy</a:t>
+                        <a:t>AWS </a:t>
                       </a:r>
-                      <a:endParaRPr lang="en-US" sz="1200">
+                      <a:r>
+                        <a:rPr lang="en-US" sz="1100" dirty="0" err="1" smtClean="0">
+                          <a:effectLst/>
+                        </a:rPr>
+                        <a:t>CodeDeploy</a:t>
+                      </a:r>
+                      <a:r>
+                        <a:rPr lang="en-US" sz="1100" dirty="0" smtClean="0">
+                          <a:effectLst/>
+                        </a:rPr>
+                        <a:t>, </a:t>
+                      </a:r>
+                    </a:p>
+                    <a:p>
+                      <a:pPr marL="0" marR="0" algn="l">
+                        <a:spcBef>
+                          <a:spcPts val="0"/>
+                        </a:spcBef>
+                        <a:spcAft>
+                          <a:spcPts val="0"/>
+                        </a:spcAft>
+                      </a:pPr>
+                      <a:r>
+                        <a:rPr lang="en-US" sz="1100" dirty="0" smtClean="0">
+                          <a:effectLst/>
+                        </a:rPr>
+                        <a:t>AWS</a:t>
+                      </a:r>
+                      <a:r>
+                        <a:rPr lang="en-US" sz="1100" baseline="0" dirty="0" smtClean="0">
+                          <a:effectLst/>
+                        </a:rPr>
+                        <a:t> </a:t>
+                      </a:r>
+                      <a:r>
+                        <a:rPr lang="en-US" sz="1100" baseline="0" dirty="0" err="1" smtClean="0">
+                          <a:effectLst/>
+                        </a:rPr>
+                        <a:t>CloudFormation</a:t>
+                      </a:r>
+                      <a:endParaRPr lang="en-US" sz="1200" dirty="0">
                         <a:solidFill>
                           <a:srgbClr val="FFFFFF"/>
                         </a:solidFill>
@@ -7013,10 +7070,32 @@
                         </a:spcAft>
                       </a:pPr>
                       <a:r>
+                        <a:rPr lang="en-US" sz="1100" dirty="0" smtClean="0">
+                          <a:effectLst/>
+                        </a:rPr>
+                        <a:t>Cloud Launcher,</a:t>
+                      </a:r>
+                    </a:p>
+                    <a:p>
+                      <a:pPr marL="0" marR="0" algn="l">
+                        <a:spcBef>
+                          <a:spcPts val="0"/>
+                        </a:spcBef>
+                        <a:spcAft>
+                          <a:spcPts val="0"/>
+                        </a:spcAft>
+                      </a:pPr>
+                      <a:r>
+                        <a:rPr lang="en-US" sz="1100" dirty="0" smtClean="0">
+                          <a:effectLst/>
+                        </a:rPr>
+                        <a:t>Cloud </a:t>
+                      </a:r>
+                      <a:r>
                         <a:rPr lang="en-US" sz="1100" dirty="0">
                           <a:effectLst/>
                         </a:rPr>
-                        <a:t>Cloud Deployment Manager</a:t>
+                        <a:t>Deployment Manager</a:t>
                       </a:r>
                       <a:endParaRPr lang="en-US" sz="1200" dirty="0">
                         <a:solidFill>
@@ -7098,10 +7177,158 @@
       </p:grpSpPr>
       <p:sp>
         <p:nvSpPr>
+          <p:cNvPr id="2" name="Title 1"/>
+          <p:cNvSpPr>
+            <a:spLocks noGrp="1"/>
+          </p:cNvSpPr>
+          <p:nvPr>
+            <p:ph type="title"/>
+          </p:nvPr>
+        </p:nvSpPr>
+        <p:spPr/>
+        <p:txBody>
+          <a:bodyPr/>
+          <a:lstStyle/>
+          <a:p>
+            <a:r>
+              <a:rPr lang="en-US" dirty="0" smtClean="0"/>
+              <a:t>MIGRATION</a:t>
+            </a:r>
+            <a:endParaRPr lang="en-US" dirty="0"/>
+          </a:p>
+        </p:txBody>
+      </p:sp>
+      <p:sp>
+        <p:nvSpPr>
+          <p:cNvPr id="3" name="Content Placeholder 2"/>
+          <p:cNvSpPr>
+            <a:spLocks noGrp="1"/>
+          </p:cNvSpPr>
+          <p:nvPr>
+            <p:ph idx="1"/>
+          </p:nvPr>
+        </p:nvSpPr>
+        <p:spPr>
+          <a:xfrm>
+            <a:off x="677335" y="1383981"/>
+            <a:ext cx="8596668" cy="3880773"/>
+          </a:xfrm>
+        </p:spPr>
+        <p:txBody>
+          <a:bodyPr/>
+          <a:lstStyle/>
+          <a:p>
+            <a:r>
+              <a:rPr lang="en-US" dirty="0" smtClean="0"/>
+              <a:t>On </a:t>
+            </a:r>
+            <a:r>
+              <a:rPr lang="en-US" dirty="0"/>
+              <a:t>AWS, the user must manually migrate their affected instances from these host machines, either by rebooting the instances or recreating them using instance </a:t>
+            </a:r>
+            <a:r>
+              <a:rPr lang="en-US" dirty="0" smtClean="0"/>
+              <a:t>snapshots</a:t>
+            </a:r>
+            <a:endParaRPr lang="en-US" dirty="0"/>
+          </a:p>
+          <a:p>
+            <a:r>
+              <a:rPr lang="en-US" dirty="0"/>
+              <a:t>Cloud Platform features live migration, in which Cloud Platform automatically and transparently migrates instances when their host hardware needs maintenance or </a:t>
+            </a:r>
+            <a:r>
+              <a:rPr lang="en-US" dirty="0" smtClean="0"/>
+              <a:t>replacement</a:t>
+            </a:r>
+            <a:endParaRPr lang="en-US" dirty="0"/>
+          </a:p>
+        </p:txBody>
+      </p:sp>
+      <p:pic>
+        <p:nvPicPr>
+          <p:cNvPr id="4" name="Picture 6" descr="C:\Users\smudholkar\Downloads\image (1).png"/>
+          <p:cNvPicPr>
+            <a:picLocks noChangeAspect="1" noChangeArrowheads="1"/>
+          </p:cNvPicPr>
+          <p:nvPr/>
+        </p:nvPicPr>
+        <p:blipFill>
+          <a:blip r:embed="rId2">
+            <a:extLst>
+              <a:ext uri="{28A0092B-C50C-407E-A947-70E740481C1C}">
+                <a14:useLocalDpi xmlns:a14="http://schemas.microsoft.com/office/drawing/2010/main" val="0"/>
+              </a:ext>
+            </a:extLst>
+          </a:blip>
+          <a:srcRect/>
+          <a:stretch>
+            <a:fillRect/>
+          </a:stretch>
+        </p:blipFill>
+        <p:spPr bwMode="auto">
+          <a:xfrm>
+            <a:off x="2138798" y="3517060"/>
+            <a:ext cx="5301665" cy="2769688"/>
+          </a:xfrm>
+          <a:prstGeom prst="rect">
+            <a:avLst/>
+          </a:prstGeom>
+          <a:noFill/>
+          <a:extLst>
+            <a:ext uri="{909E8E84-426E-40DD-AFC4-6F175D3DCCD1}">
+              <a14:hiddenFill xmlns:a14="http://schemas.microsoft.com/office/drawing/2010/main">
+                <a:solidFill>
+                  <a:srgbClr val="FFFFFF"/>
+                </a:solidFill>
+              </a14:hiddenFill>
+            </a:ext>
+          </a:extLst>
+        </p:spPr>
+      </p:pic>
+    </p:spTree>
+    <p:extLst>
+      <p:ext uri="{BB962C8B-B14F-4D97-AF65-F5344CB8AC3E}">
+        <p14:creationId xmlns:p14="http://schemas.microsoft.com/office/powerpoint/2010/main" val="904592356"/>
+      </p:ext>
+    </p:extLst>
+  </p:cSld>
+  <p:clrMapOvr>
+    <a:masterClrMapping/>
+  </p:clrMapOvr>
+  <p:timing>
+    <p:tnLst>
+      <p:par>
+        <p:cTn id="1" dur="indefinite" restart="never" nodeType="tmRoot"/>
+      </p:par>
+    </p:tnLst>
+  </p:timing>
+</p:sld>
+</file>
+
+<file path=ppt/slides/slide14.xml><?xml version="1.0" encoding="utf-8"?>
+<p:sld xmlns:a="http://schemas.openxmlformats.org/drawingml/2006/main" xmlns:r="http://schemas.openxmlformats.org/officeDocument/2006/relationships" xmlns:p="http://schemas.openxmlformats.org/presentationml/2006/main">
+  <p:cSld>
+    <p:spTree>
+      <p:nvGrpSpPr>
+        <p:cNvPr id="1" name=""/>
+        <p:cNvGrpSpPr/>
+        <p:nvPr/>
+      </p:nvGrpSpPr>
+      <p:grpSpPr>
+        <a:xfrm>
+          <a:off x="0" y="0"/>
+          <a:ext cx="0" cy="0"/>
+          <a:chOff x="0" y="0"/>
+          <a:chExt cx="0" cy="0"/>
+        </a:xfrm>
+      </p:grpSpPr>
+      <p:sp>
+        <p:nvSpPr>
           <p:cNvPr id="2" name="Title 1">
             <a:extLst>
               <a:ext uri="{FF2B5EF4-FFF2-40B4-BE49-F238E27FC236}">
-                <a16:creationId xmlns="" xmlns:a16="http://schemas.microsoft.com/office/drawing/2014/main" id="{3D4AFD28-FA9E-4999-B3DD-733F01A432F5}"/>
+                <a16:creationId xmlns:a16="http://schemas.microsoft.com/office/drawing/2014/main" xmlns="" id="{3D4AFD28-FA9E-4999-B3DD-733F01A432F5}"/>
               </a:ext>
             </a:extLst>
           </p:cNvPr>
@@ -7130,7 +7357,7 @@
           <p:cNvPr id="3" name="Content Placeholder 2">
             <a:extLst>
               <a:ext uri="{FF2B5EF4-FFF2-40B4-BE49-F238E27FC236}">
-                <a16:creationId xmlns="" xmlns:a16="http://schemas.microsoft.com/office/drawing/2014/main" id="{574ED7F7-00AB-41D0-8280-9501BEF82B3C}"/>
+                <a16:creationId xmlns:a16="http://schemas.microsoft.com/office/drawing/2014/main" xmlns="" id="{574ED7F7-00AB-41D0-8280-9501BEF82B3C}"/>
               </a:ext>
             </a:extLst>
           </p:cNvPr>
@@ -7182,7 +7409,7 @@
           <p:cNvPr id="4" name="Content Placeholder 2">
             <a:extLst>
               <a:ext uri="{FF2B5EF4-FFF2-40B4-BE49-F238E27FC236}">
-                <a16:creationId xmlns="" xmlns:a16="http://schemas.microsoft.com/office/drawing/2014/main" id="{B8A3260B-A2AC-49A5-9306-9DB3FB06253E}"/>
+                <a16:creationId xmlns:a16="http://schemas.microsoft.com/office/drawing/2014/main" xmlns="" id="{B8A3260B-A2AC-49A5-9306-9DB3FB06253E}"/>
               </a:ext>
             </a:extLst>
           </p:cNvPr>
@@ -7473,7 +7700,7 @@
           <p:cNvPr id="6" name="Content Placeholder 2">
             <a:extLst>
               <a:ext uri="{FF2B5EF4-FFF2-40B4-BE49-F238E27FC236}">
-                <a16:creationId xmlns="" xmlns:a16="http://schemas.microsoft.com/office/drawing/2014/main" id="{C1D65D12-8FDC-4612-A260-CA990A8279A4}"/>
+                <a16:creationId xmlns:a16="http://schemas.microsoft.com/office/drawing/2014/main" xmlns="" id="{C1D65D12-8FDC-4612-A260-CA990A8279A4}"/>
               </a:ext>
             </a:extLst>
           </p:cNvPr>
@@ -7765,7 +7992,7 @@
           <p:cNvPr id="7" name="Content Placeholder 2">
             <a:extLst>
               <a:ext uri="{FF2B5EF4-FFF2-40B4-BE49-F238E27FC236}">
-                <a16:creationId xmlns="" xmlns:a16="http://schemas.microsoft.com/office/drawing/2014/main" id="{0D49042A-5617-454A-8411-833B41A746B9}"/>
+                <a16:creationId xmlns:a16="http://schemas.microsoft.com/office/drawing/2014/main" xmlns="" id="{0D49042A-5617-454A-8411-833B41A746B9}"/>
               </a:ext>
             </a:extLst>
           </p:cNvPr>
@@ -8044,7 +8271,7 @@
           <p:cNvPr id="2050" name="Picture 2" descr="power outage cloud downtime">
             <a:extLst>
               <a:ext uri="{FF2B5EF4-FFF2-40B4-BE49-F238E27FC236}">
-                <a16:creationId xmlns="" xmlns:a16="http://schemas.microsoft.com/office/drawing/2014/main" id="{5F2B6CCB-0F3E-4789-8F9E-1DAD7F546E11}"/>
+                <a16:creationId xmlns:a16="http://schemas.microsoft.com/office/drawing/2014/main" xmlns="" id="{5F2B6CCB-0F3E-4789-8F9E-1DAD7F546E11}"/>
               </a:ext>
             </a:extLst>
           </p:cNvPr>
@@ -8106,7 +8333,7 @@
 </p:sld>
 </file>
 
-<file path=ppt/slides/slide14.xml><?xml version="1.0" encoding="utf-8"?>
+<file path=ppt/slides/slide15.xml><?xml version="1.0" encoding="utf-8"?>
 <p:sld xmlns:a="http://schemas.openxmlformats.org/drawingml/2006/main" xmlns:r="http://schemas.openxmlformats.org/officeDocument/2006/relationships" xmlns:p="http://schemas.openxmlformats.org/presentationml/2006/main">
   <p:cSld>
     <p:spTree>
@@ -8128,7 +8355,7 @@
           <p:cNvPr id="5" name="Title 1">
             <a:extLst>
               <a:ext uri="{FF2B5EF4-FFF2-40B4-BE49-F238E27FC236}">
-                <a16:creationId xmlns="" xmlns:a16="http://schemas.microsoft.com/office/drawing/2014/main" id="{4D71049C-5325-4F65-9BAC-40ED878AF8AA}"/>
+                <a16:creationId xmlns:a16="http://schemas.microsoft.com/office/drawing/2014/main" xmlns="" id="{4D71049C-5325-4F65-9BAC-40ED878AF8AA}"/>
               </a:ext>
             </a:extLst>
           </p:cNvPr>
@@ -8157,7 +8384,7 @@
           <p:cNvPr id="6" name="Content Placeholder 2">
             <a:extLst>
               <a:ext uri="{FF2B5EF4-FFF2-40B4-BE49-F238E27FC236}">
-                <a16:creationId xmlns="" xmlns:a16="http://schemas.microsoft.com/office/drawing/2014/main" id="{C172D046-003D-408F-B18F-837C641CDAAA}"/>
+                <a16:creationId xmlns:a16="http://schemas.microsoft.com/office/drawing/2014/main" xmlns="" id="{C172D046-003D-408F-B18F-837C641CDAAA}"/>
               </a:ext>
             </a:extLst>
           </p:cNvPr>
@@ -8216,7 +8443,7 @@
           <p:cNvPr id="7" name="Content Placeholder 2">
             <a:extLst>
               <a:ext uri="{FF2B5EF4-FFF2-40B4-BE49-F238E27FC236}">
-                <a16:creationId xmlns="" xmlns:a16="http://schemas.microsoft.com/office/drawing/2014/main" id="{2CD103FC-3985-4D9E-AE55-5217CEB054C2}"/>
+                <a16:creationId xmlns:a16="http://schemas.microsoft.com/office/drawing/2014/main" xmlns="" id="{2CD103FC-3985-4D9E-AE55-5217CEB054C2}"/>
               </a:ext>
             </a:extLst>
           </p:cNvPr>
@@ -8505,7 +8732,7 @@
           <p:cNvPr id="8" name="Picture 7">
             <a:extLst>
               <a:ext uri="{FF2B5EF4-FFF2-40B4-BE49-F238E27FC236}">
-                <a16:creationId xmlns="" xmlns:a16="http://schemas.microsoft.com/office/drawing/2014/main" id="{4EF3F825-0173-4D92-BEE8-E085C22AC4AD}"/>
+                <a16:creationId xmlns:a16="http://schemas.microsoft.com/office/drawing/2014/main" xmlns="" id="{4EF3F825-0173-4D92-BEE8-E085C22AC4AD}"/>
               </a:ext>
             </a:extLst>
           </p:cNvPr>
@@ -8562,7 +8789,7 @@
           <p:cNvPr id="1026" name="Picture 2" descr="Image result for aws security">
             <a:extLst>
               <a:ext uri="{FF2B5EF4-FFF2-40B4-BE49-F238E27FC236}">
-                <a16:creationId xmlns="" xmlns:a16="http://schemas.microsoft.com/office/drawing/2014/main" id="{115B6511-037F-47DC-BAB3-F403B6955366}"/>
+                <a16:creationId xmlns:a16="http://schemas.microsoft.com/office/drawing/2014/main" xmlns="" id="{115B6511-037F-47DC-BAB3-F403B6955366}"/>
               </a:ext>
             </a:extLst>
           </p:cNvPr>
@@ -8609,7 +8836,7 @@
           <p:cNvPr id="1028" name="Picture 4" descr="Image result for google cloud plATform security">
             <a:extLst>
               <a:ext uri="{FF2B5EF4-FFF2-40B4-BE49-F238E27FC236}">
-                <a16:creationId xmlns="" xmlns:a16="http://schemas.microsoft.com/office/drawing/2014/main" id="{6637A256-6294-4CE2-B66C-5408E0D23092}"/>
+                <a16:creationId xmlns:a16="http://schemas.microsoft.com/office/drawing/2014/main" xmlns="" id="{6637A256-6294-4CE2-B66C-5408E0D23092}"/>
               </a:ext>
             </a:extLst>
           </p:cNvPr>
@@ -8655,154 +8882,6 @@
     <p:extLst>
       <p:ext uri="{BB962C8B-B14F-4D97-AF65-F5344CB8AC3E}">
         <p14:creationId xmlns:p14="http://schemas.microsoft.com/office/powerpoint/2010/main" val="2345780881"/>
-      </p:ext>
-    </p:extLst>
-  </p:cSld>
-  <p:clrMapOvr>
-    <a:masterClrMapping/>
-  </p:clrMapOvr>
-  <p:timing>
-    <p:tnLst>
-      <p:par>
-        <p:cTn id="1" dur="indefinite" restart="never" nodeType="tmRoot"/>
-      </p:par>
-    </p:tnLst>
-  </p:timing>
-</p:sld>
-</file>
-
-<file path=ppt/slides/slide15.xml><?xml version="1.0" encoding="utf-8"?>
-<p:sld xmlns:a="http://schemas.openxmlformats.org/drawingml/2006/main" xmlns:r="http://schemas.openxmlformats.org/officeDocument/2006/relationships" xmlns:p="http://schemas.openxmlformats.org/presentationml/2006/main">
-  <p:cSld>
-    <p:spTree>
-      <p:nvGrpSpPr>
-        <p:cNvPr id="1" name=""/>
-        <p:cNvGrpSpPr/>
-        <p:nvPr/>
-      </p:nvGrpSpPr>
-      <p:grpSpPr>
-        <a:xfrm>
-          <a:off x="0" y="0"/>
-          <a:ext cx="0" cy="0"/>
-          <a:chOff x="0" y="0"/>
-          <a:chExt cx="0" cy="0"/>
-        </a:xfrm>
-      </p:grpSpPr>
-      <p:sp>
-        <p:nvSpPr>
-          <p:cNvPr id="2" name="Title 1"/>
-          <p:cNvSpPr>
-            <a:spLocks noGrp="1"/>
-          </p:cNvSpPr>
-          <p:nvPr>
-            <p:ph type="title"/>
-          </p:nvPr>
-        </p:nvSpPr>
-        <p:spPr/>
-        <p:txBody>
-          <a:bodyPr/>
-          <a:lstStyle/>
-          <a:p>
-            <a:r>
-              <a:rPr lang="en-US" dirty="0" smtClean="0"/>
-              <a:t>MIGRATION</a:t>
-            </a:r>
-            <a:endParaRPr lang="en-US" dirty="0"/>
-          </a:p>
-        </p:txBody>
-      </p:sp>
-      <p:sp>
-        <p:nvSpPr>
-          <p:cNvPr id="3" name="Content Placeholder 2"/>
-          <p:cNvSpPr>
-            <a:spLocks noGrp="1"/>
-          </p:cNvSpPr>
-          <p:nvPr>
-            <p:ph idx="1"/>
-          </p:nvPr>
-        </p:nvSpPr>
-        <p:spPr>
-          <a:xfrm>
-            <a:off x="677335" y="1383981"/>
-            <a:ext cx="8596668" cy="3880773"/>
-          </a:xfrm>
-        </p:spPr>
-        <p:txBody>
-          <a:bodyPr/>
-          <a:lstStyle/>
-          <a:p>
-            <a:r>
-              <a:rPr lang="en-US" dirty="0" smtClean="0"/>
-              <a:t>On </a:t>
-            </a:r>
-            <a:r>
-              <a:rPr lang="en-US" dirty="0"/>
-              <a:t>AWS, the user must manually migrate their affected instances from these host machines, either by rebooting the instances or recreating them using instance </a:t>
-            </a:r>
-            <a:r>
-              <a:rPr lang="en-US" dirty="0" smtClean="0"/>
-              <a:t>snapshots</a:t>
-            </a:r>
-            <a:endParaRPr lang="en-US" dirty="0"/>
-          </a:p>
-          <a:p>
-            <a:r>
-              <a:rPr lang="en-US" dirty="0"/>
-              <a:t>Cloud Platform features live migration, in which Cloud Platform automatically and transparently migrates instances when their host hardware needs maintenance or </a:t>
-            </a:r>
-            <a:r>
-              <a:rPr lang="en-US" dirty="0" smtClean="0"/>
-              <a:t>replacement</a:t>
-            </a:r>
-            <a:endParaRPr lang="en-US" dirty="0"/>
-          </a:p>
-        </p:txBody>
-      </p:sp>
-      <p:pic>
-        <p:nvPicPr>
-          <p:cNvPr id="4" name="Picture 6" descr="C:\Users\smudholkar\Downloads\image (1).png"/>
-          <p:cNvPicPr>
-            <a:picLocks noChangeAspect="1" noChangeArrowheads="1"/>
-          </p:cNvPicPr>
-          <p:nvPr/>
-        </p:nvPicPr>
-        <p:blipFill>
-          <a:blip r:embed="rId2">
-            <a:extLst>
-              <a:ext uri="{28A0092B-C50C-407E-A947-70E740481C1C}">
-                <a14:useLocalDpi xmlns:a14="http://schemas.microsoft.com/office/drawing/2010/main" val="0"/>
-              </a:ext>
-            </a:extLst>
-          </a:blip>
-          <a:srcRect/>
-          <a:stretch>
-            <a:fillRect/>
-          </a:stretch>
-        </p:blipFill>
-        <p:spPr bwMode="auto">
-          <a:xfrm>
-            <a:off x="2138798" y="3517060"/>
-            <a:ext cx="5301665" cy="2769688"/>
-          </a:xfrm>
-          <a:prstGeom prst="rect">
-            <a:avLst/>
-          </a:prstGeom>
-          <a:noFill/>
-          <a:extLst>
-            <a:ext uri="{909E8E84-426E-40DD-AFC4-6F175D3DCCD1}">
-              <a14:hiddenFill xmlns:a14="http://schemas.microsoft.com/office/drawing/2010/main">
-                <a:solidFill>
-                  <a:srgbClr val="FFFFFF"/>
-                </a:solidFill>
-              </a14:hiddenFill>
-            </a:ext>
-          </a:extLst>
-        </p:spPr>
-      </p:pic>
-    </p:spTree>
-    <p:extLst>
-      <p:ext uri="{BB962C8B-B14F-4D97-AF65-F5344CB8AC3E}">
-        <p14:creationId xmlns:p14="http://schemas.microsoft.com/office/powerpoint/2010/main" val="904592356"/>
       </p:ext>
     </p:extLst>
   </p:cSld>
@@ -9412,11 +9491,7 @@
           <a:p>
             <a:r>
               <a:rPr lang="en-US" dirty="0" smtClean="0"/>
-              <a:t>From </a:t>
-            </a:r>
-            <a:r>
-              <a:rPr lang="en-US" dirty="0" smtClean="0"/>
-              <a:t>Service point of view </a:t>
+              <a:t>From Service point of view </a:t>
             </a:r>
             <a:r>
               <a:rPr lang="en-US" b="1" dirty="0" smtClean="0"/>
@@ -9424,19 +9499,7 @@
             </a:r>
             <a:r>
               <a:rPr lang="en-US" dirty="0" smtClean="0"/>
-              <a:t> is clear winner as the quality and </a:t>
-            </a:r>
-            <a:r>
-              <a:rPr lang="en-US" dirty="0" smtClean="0"/>
-              <a:t>quantity (200+) as extremely </a:t>
-            </a:r>
-            <a:r>
-              <a:rPr lang="en-US" dirty="0" smtClean="0"/>
-              <a:t>broad and wide which build huge set opportunities for many </a:t>
-            </a:r>
-            <a:r>
-              <a:rPr lang="en-US" dirty="0" smtClean="0"/>
-              <a:t>needs </a:t>
+              <a:t> is clear winner as the quality and quantity (200+) as extremely broad and wide which build huge set opportunities for many needs </a:t>
             </a:r>
             <a:endParaRPr lang="en-US" dirty="0"/>
           </a:p>
@@ -9451,19 +9514,7 @@
             </a:r>
             <a:r>
               <a:rPr lang="en-US" dirty="0" smtClean="0"/>
-              <a:t>product’s list is quite </a:t>
-            </a:r>
-            <a:r>
-              <a:rPr lang="en-US" dirty="0" smtClean="0"/>
-              <a:t>small (50+) </a:t>
-            </a:r>
-            <a:r>
-              <a:rPr lang="en-US" dirty="0" smtClean="0"/>
-              <a:t>which are based on classic IaaS and PaaS </a:t>
-            </a:r>
-            <a:r>
-              <a:rPr lang="en-US" dirty="0" smtClean="0"/>
-              <a:t>services</a:t>
+              <a:t>product’s list is quite small (50+) which are based on classic IaaS and PaaS services</a:t>
             </a:r>
             <a:r>
               <a:rPr lang="en-US" dirty="0"/>
@@ -10721,17 +10772,7 @@
                           <a:effectLst/>
                           <a:latin typeface="+mn-lt"/>
                         </a:rPr>
-                        <a:t> </a:t>
-                      </a:r>
-                      <a:r>
-                        <a:rPr lang="en-US" sz="900" b="1" dirty="0" smtClean="0">
-                          <a:solidFill>
-                            <a:srgbClr val="002060"/>
-                          </a:solidFill>
-                          <a:effectLst/>
-                          <a:latin typeface="+mn-lt"/>
-                        </a:rPr>
-                        <a:t>Cloud</a:t>
+                        <a:t> Cloud</a:t>
                       </a:r>
                       <a:r>
                         <a:rPr lang="en-US" sz="900" b="1" baseline="0" dirty="0" smtClean="0">
@@ -10793,17 +10834,7 @@
                           <a:effectLst/>
                           <a:latin typeface="+mn-lt"/>
                         </a:rPr>
-                        <a:t> </a:t>
-                      </a:r>
-                      <a:r>
-                        <a:rPr lang="en-US" sz="900" b="1" dirty="0" smtClean="0">
-                          <a:solidFill>
-                            <a:srgbClr val="002060"/>
-                          </a:solidFill>
-                          <a:effectLst/>
-                          <a:latin typeface="+mn-lt"/>
-                        </a:rPr>
-                        <a:t>AWS Lambda</a:t>
+                        <a:t> AWS Lambda</a:t>
                       </a:r>
                       <a:endParaRPr lang="en-US" sz="900" b="1" dirty="0">
                         <a:solidFill>
@@ -13541,11 +13572,7 @@
           <a:p>
             <a:r>
               <a:rPr lang="en-US" dirty="0" smtClean="0"/>
-              <a:t>DYNAMODB</a:t>
-            </a:r>
-            <a:r>
-              <a:rPr lang="en-US" dirty="0" smtClean="0"/>
-              <a:t> VS GOOGLE CLOUD DATASTORE</a:t>
+              <a:t>DYNAMODB VS GOOGLE CLOUD DATASTORE</a:t>
             </a:r>
             <a:endParaRPr lang="en-US" dirty="0"/>
           </a:p>
@@ -15302,7 +15329,7 @@
           <p:cNvPr id="4" name="Picture 3">
             <a:extLst>
               <a:ext uri="{FF2B5EF4-FFF2-40B4-BE49-F238E27FC236}">
-                <a16:creationId xmlns="" xmlns:a16="http://schemas.microsoft.com/office/drawing/2014/main" id="{04D2BBE0-318A-4D34-BD9C-D38F99C7776B}"/>
+                <a16:creationId xmlns:a16="http://schemas.microsoft.com/office/drawing/2014/main" xmlns="" id="{04D2BBE0-318A-4D34-BD9C-D38F99C7776B}"/>
               </a:ext>
             </a:extLst>
           </p:cNvPr>
@@ -15330,7 +15357,7 @@
           <p:cNvPr id="5" name="Picture 4">
             <a:extLst>
               <a:ext uri="{FF2B5EF4-FFF2-40B4-BE49-F238E27FC236}">
-                <a16:creationId xmlns="" xmlns:a16="http://schemas.microsoft.com/office/drawing/2014/main" id="{ED97A3DE-F111-4F9C-9390-1C27E687E437}"/>
+                <a16:creationId xmlns:a16="http://schemas.microsoft.com/office/drawing/2014/main" xmlns="" id="{ED97A3DE-F111-4F9C-9390-1C27E687E437}"/>
               </a:ext>
             </a:extLst>
           </p:cNvPr>
@@ -15358,7 +15385,7 @@
           <p:cNvPr id="6" name="Picture 5">
             <a:extLst>
               <a:ext uri="{FF2B5EF4-FFF2-40B4-BE49-F238E27FC236}">
-                <a16:creationId xmlns="" xmlns:a16="http://schemas.microsoft.com/office/drawing/2014/main" id="{F1007375-8D40-4011-B488-65BFD3896631}"/>
+                <a16:creationId xmlns:a16="http://schemas.microsoft.com/office/drawing/2014/main" xmlns="" id="{F1007375-8D40-4011-B488-65BFD3896631}"/>
               </a:ext>
             </a:extLst>
           </p:cNvPr>
@@ -15388,7 +15415,7 @@
           <p:cNvPr id="7" name="Picture 6">
             <a:extLst>
               <a:ext uri="{FF2B5EF4-FFF2-40B4-BE49-F238E27FC236}">
-                <a16:creationId xmlns="" xmlns:a16="http://schemas.microsoft.com/office/drawing/2014/main" id="{39516EFC-6357-4A6E-89A8-680BE1123CEE}"/>
+                <a16:creationId xmlns:a16="http://schemas.microsoft.com/office/drawing/2014/main" xmlns="" id="{39516EFC-6357-4A6E-89A8-680BE1123CEE}"/>
               </a:ext>
             </a:extLst>
           </p:cNvPr>
@@ -15453,7 +15480,7 @@
           <p:cNvPr id="3" name="Content Placeholder 2">
             <a:extLst>
               <a:ext uri="{FF2B5EF4-FFF2-40B4-BE49-F238E27FC236}">
-                <a16:creationId xmlns="" xmlns:a16="http://schemas.microsoft.com/office/drawing/2014/main" id="{5585FB9B-ED3D-4D6C-A64C-D0F924134E1B}"/>
+                <a16:creationId xmlns:a16="http://schemas.microsoft.com/office/drawing/2014/main" xmlns="" id="{5585FB9B-ED3D-4D6C-A64C-D0F924134E1B}"/>
               </a:ext>
             </a:extLst>
           </p:cNvPr>
@@ -15550,11 +15577,7 @@
             </a:r>
             <a:r>
               <a:rPr lang="en-US" dirty="0" smtClean="0"/>
-              <a:t>on </a:t>
-            </a:r>
-            <a:r>
-              <a:rPr lang="en-US" dirty="0" smtClean="0"/>
-              <a:t>longer use of the </a:t>
+              <a:t>on longer use of the </a:t>
             </a:r>
             <a:r>
               <a:rPr lang="en-US" dirty="0"/>
@@ -15576,7 +15599,7 @@
           <p:cNvPr id="4" name="Picture 3">
             <a:extLst>
               <a:ext uri="{FF2B5EF4-FFF2-40B4-BE49-F238E27FC236}">
-                <a16:creationId xmlns="" xmlns:a16="http://schemas.microsoft.com/office/drawing/2014/main" id="{7E86AA45-C29E-4D93-BE09-6C36DEE5B361}"/>
+                <a16:creationId xmlns:a16="http://schemas.microsoft.com/office/drawing/2014/main" xmlns="" id="{7E86AA45-C29E-4D93-BE09-6C36DEE5B361}"/>
               </a:ext>
             </a:extLst>
           </p:cNvPr>
@@ -15872,7 +15895,7 @@
   <a:extraClrSchemeLst/>
   <a:extLst>
     <a:ext uri="{05A4C25C-085E-4340-85A3-A5531E510DB2}">
-      <thm15:themeFamily xmlns="" xmlns:thm15="http://schemas.microsoft.com/office/thememl/2012/main" name="Facet" id="{C0C680CD-088A-49FC-A102-D699147F32B2}" vid="{CFBC31BA-B70F-4F30-BCAA-4F3011E16C4D}"/>
+      <thm15:themeFamily xmlns:thm15="http://schemas.microsoft.com/office/thememl/2012/main" name="Facet" id="{C0C680CD-088A-49FC-A102-D699147F32B2}" vid="{CFBC31BA-B70F-4F30-BCAA-4F3011E16C4D}"/>
     </a:ext>
   </a:extLst>
 </a:theme>
